--- a/mkdocs/docs/images/src/abn.pptx
+++ b/mkdocs/docs/images/src/abn.pptx
@@ -197,7 +197,7 @@
           <a:p>
             <a:fld id="{38B78CBE-37FA-D241-BB4C-CAC5D3B25F49}" type="datetimeFigureOut">
               <a:rPr lang="en-US" smtClean="0"/>
-              <a:t>4/28/21</a:t>
+              <a:t>6/15/21</a:t>
             </a:fld>
             <a:endParaRPr lang="en-US"/>
           </a:p>
@@ -695,7 +695,7 @@
           <a:p>
             <a:fld id="{708812C5-0212-FD42-A0D4-E2E8FF4E3AF5}" type="datetime1">
               <a:rPr lang="en-US" smtClean="0"/>
-              <a:t>4/28/21</a:t>
+              <a:t>6/15/21</a:t>
             </a:fld>
             <a:endParaRPr lang="en-US"/>
           </a:p>
@@ -896,7 +896,7 @@
           <a:p>
             <a:fld id="{D232AC6F-41C3-B34B-9BAA-03ED2F3BC0F6}" type="datetime1">
               <a:rPr lang="en-US" smtClean="0"/>
-              <a:t>4/28/21</a:t>
+              <a:t>6/15/21</a:t>
             </a:fld>
             <a:endParaRPr lang="en-US"/>
           </a:p>
@@ -1107,7 +1107,7 @@
           <a:p>
             <a:fld id="{BEE140C2-F440-9D49-95CB-5965D64CC4A2}" type="datetime1">
               <a:rPr lang="en-US" smtClean="0"/>
-              <a:t>4/28/21</a:t>
+              <a:t>6/15/21</a:t>
             </a:fld>
             <a:endParaRPr lang="en-US"/>
           </a:p>
@@ -1308,7 +1308,7 @@
           <a:p>
             <a:fld id="{CC99F980-FB29-FD47-8508-150F73F1E8B0}" type="datetime1">
               <a:rPr lang="en-US" smtClean="0"/>
-              <a:t>4/28/21</a:t>
+              <a:t>6/15/21</a:t>
             </a:fld>
             <a:endParaRPr lang="en-US"/>
           </a:p>
@@ -1586,7 +1586,7 @@
           <a:p>
             <a:fld id="{D4510983-EA22-9643-8AC0-B3C6499B643B}" type="datetime1">
               <a:rPr lang="en-US" smtClean="0"/>
-              <a:t>4/28/21</a:t>
+              <a:t>6/15/21</a:t>
             </a:fld>
             <a:endParaRPr lang="en-US"/>
           </a:p>
@@ -1854,7 +1854,7 @@
           <a:p>
             <a:fld id="{D5A39195-967D-5D4E-8C6A-C99866996458}" type="datetime1">
               <a:rPr lang="en-US" smtClean="0"/>
-              <a:t>4/28/21</a:t>
+              <a:t>6/15/21</a:t>
             </a:fld>
             <a:endParaRPr lang="en-US"/>
           </a:p>
@@ -2269,7 +2269,7 @@
           <a:p>
             <a:fld id="{5AD771E9-C79D-684D-A158-5EB6E92DE947}" type="datetime1">
               <a:rPr lang="en-US" smtClean="0"/>
-              <a:t>4/28/21</a:t>
+              <a:t>6/15/21</a:t>
             </a:fld>
             <a:endParaRPr lang="en-US"/>
           </a:p>
@@ -2413,7 +2413,7 @@
           <a:p>
             <a:fld id="{693CA161-7E4C-5C4B-B799-DB602A0B9806}" type="datetime1">
               <a:rPr lang="en-US" smtClean="0"/>
-              <a:t>4/28/21</a:t>
+              <a:t>6/15/21</a:t>
             </a:fld>
             <a:endParaRPr lang="en-US"/>
           </a:p>
@@ -2529,7 +2529,7 @@
           <a:p>
             <a:fld id="{6D55FDF3-8BB2-6349-A5FA-057F3D78953D}" type="datetime1">
               <a:rPr lang="en-US" smtClean="0"/>
-              <a:t>4/28/21</a:t>
+              <a:t>6/15/21</a:t>
             </a:fld>
             <a:endParaRPr lang="en-US"/>
           </a:p>
@@ -2843,7 +2843,7 @@
           <a:p>
             <a:fld id="{EEDFACC0-3228-BA4B-942E-CEF38B0101FD}" type="datetime1">
               <a:rPr lang="en-US" smtClean="0"/>
-              <a:t>4/28/21</a:t>
+              <a:t>6/15/21</a:t>
             </a:fld>
             <a:endParaRPr lang="en-US"/>
           </a:p>
@@ -3134,7 +3134,7 @@
           <a:p>
             <a:fld id="{07EEEDBE-E24C-D140-B419-6D8D592D0F1C}" type="datetime1">
               <a:rPr lang="en-US" smtClean="0"/>
-              <a:t>4/28/21</a:t>
+              <a:t>6/15/21</a:t>
             </a:fld>
             <a:endParaRPr lang="en-US"/>
           </a:p>
@@ -3378,7 +3378,7 @@
           <a:p>
             <a:fld id="{E05781A2-A5EF-C54C-A3EF-F62483D37EDC}" type="datetime1">
               <a:rPr lang="en-US" smtClean="0"/>
-              <a:t>4/28/21</a:t>
+              <a:t>6/15/21</a:t>
             </a:fld>
             <a:endParaRPr lang="en-US"/>
           </a:p>
@@ -6786,243 +6786,6 @@
       </p:cxnSp>
       <p:sp>
         <p:nvSpPr>
-          <p:cNvPr id="62" name="Rounded Rectangle 61">
-            <a:extLst>
-              <a:ext uri="{FF2B5EF4-FFF2-40B4-BE49-F238E27FC236}">
-                <a16:creationId xmlns:a16="http://schemas.microsoft.com/office/drawing/2014/main" id="{662EB6E8-9DDB-6E46-8F53-E4E993907151}"/>
-              </a:ext>
-            </a:extLst>
-          </p:cNvPr>
-          <p:cNvSpPr/>
-          <p:nvPr/>
-        </p:nvSpPr>
-        <p:spPr>
-          <a:xfrm>
-            <a:off x="9705409" y="2608815"/>
-            <a:ext cx="816445" cy="1041636"/>
-          </a:xfrm>
-          <a:prstGeom prst="roundRect">
-            <a:avLst/>
-          </a:prstGeom>
-          <a:solidFill>
-            <a:schemeClr val="bg1"/>
-          </a:solidFill>
-          <a:ln>
-            <a:solidFill>
-              <a:schemeClr val="bg1"/>
-            </a:solidFill>
-          </a:ln>
-        </p:spPr>
-        <p:style>
-          <a:lnRef idx="2">
-            <a:schemeClr val="accent1">
-              <a:shade val="50000"/>
-            </a:schemeClr>
-          </a:lnRef>
-          <a:fillRef idx="1">
-            <a:schemeClr val="accent1"/>
-          </a:fillRef>
-          <a:effectRef idx="0">
-            <a:schemeClr val="accent1"/>
-          </a:effectRef>
-          <a:fontRef idx="minor">
-            <a:schemeClr val="lt1"/>
-          </a:fontRef>
-        </p:style>
-        <p:txBody>
-          <a:bodyPr rtlCol="0" anchor="ctr"/>
-          <a:lstStyle/>
-          <a:p>
-            <a:pPr marL="0" marR="0" lvl="0" indent="0" algn="ctr" defTabSz="914400" rtl="0" eaLnBrk="1" fontAlgn="auto" latinLnBrk="0" hangingPunct="1">
-              <a:lnSpc>
-                <a:spcPct val="100000"/>
-              </a:lnSpc>
-              <a:spcBef>
-                <a:spcPts val="0"/>
-              </a:spcBef>
-              <a:spcAft>
-                <a:spcPts val="0"/>
-              </a:spcAft>
-              <a:buClrTx/>
-              <a:buSzTx/>
-              <a:buFontTx/>
-              <a:buNone/>
-              <a:tabLst/>
-              <a:defRPr/>
-            </a:pPr>
-            <a:endParaRPr kumimoji="0" lang="en-US" sz="1800" b="0" i="0" u="none" strike="noStrike" kern="1200" cap="none" spc="0" normalizeH="0" baseline="0" noProof="0">
-              <a:ln>
-                <a:noFill/>
-              </a:ln>
-              <a:solidFill>
-                <a:prstClr val="white"/>
-              </a:solidFill>
-              <a:effectLst/>
-              <a:uLnTx/>
-              <a:uFillTx/>
-              <a:latin typeface="Calibri" panose="020F0502020204030204"/>
-              <a:ea typeface="+mn-ea"/>
-              <a:cs typeface="+mn-cs"/>
-            </a:endParaRPr>
-          </a:p>
-        </p:txBody>
-      </p:sp>
-      <p:sp>
-        <p:nvSpPr>
-          <p:cNvPr id="63" name="TextBox 62">
-            <a:extLst>
-              <a:ext uri="{FF2B5EF4-FFF2-40B4-BE49-F238E27FC236}">
-                <a16:creationId xmlns:a16="http://schemas.microsoft.com/office/drawing/2014/main" id="{E3B367F5-BD39-364F-8ECC-35513138556C}"/>
-              </a:ext>
-            </a:extLst>
-          </p:cNvPr>
-          <p:cNvSpPr txBox="1"/>
-          <p:nvPr/>
-        </p:nvSpPr>
-        <p:spPr>
-          <a:xfrm>
-            <a:off x="10177820" y="3059137"/>
-            <a:ext cx="1165897" cy="369332"/>
-          </a:xfrm>
-          <a:prstGeom prst="rect">
-            <a:avLst/>
-          </a:prstGeom>
-          <a:noFill/>
-        </p:spPr>
-        <p:txBody>
-          <a:bodyPr wrap="none" rtlCol="0">
-            <a:spAutoFit/>
-          </a:bodyPr>
-          <a:lstStyle/>
-          <a:p>
-            <a:pPr marL="0" marR="0" lvl="0" indent="0" algn="l" defTabSz="914400" rtl="0" eaLnBrk="1" fontAlgn="auto" latinLnBrk="0" hangingPunct="1">
-              <a:lnSpc>
-                <a:spcPct val="100000"/>
-              </a:lnSpc>
-              <a:spcBef>
-                <a:spcPts val="0"/>
-              </a:spcBef>
-              <a:spcAft>
-                <a:spcPts val="0"/>
-              </a:spcAft>
-              <a:buClrTx/>
-              <a:buSzTx/>
-              <a:buFontTx/>
-              <a:buNone/>
-              <a:tabLst/>
-              <a:defRPr/>
-            </a:pPr>
-            <a:r>
-              <a:rPr kumimoji="0" lang="en-US" sz="1800" b="0" i="0" u="none" strike="noStrike" kern="1200" cap="none" spc="0" normalizeH="0" baseline="0" noProof="0" dirty="0">
-                <a:ln>
-                  <a:noFill/>
-                </a:ln>
-                <a:solidFill>
-                  <a:prstClr val="black"/>
-                </a:solidFill>
-                <a:effectLst/>
-                <a:uLnTx/>
-                <a:uFillTx/>
-                <a:latin typeface="Calibri" panose="020F0502020204030204"/>
-                <a:ea typeface="+mn-ea"/>
-                <a:cs typeface="+mn-cs"/>
-              </a:rPr>
-              <a:t>L</a:t>
-            </a:r>
-            <a:r>
-              <a:rPr kumimoji="0" lang="en-US" sz="1800" b="0" i="0" u="none" strike="noStrike" kern="1200" cap="none" spc="0" normalizeH="0" baseline="0" noProof="0" dirty="0" err="1">
-                <a:ln>
-                  <a:noFill/>
-                </a:ln>
-                <a:solidFill>
-                  <a:prstClr val="black"/>
-                </a:solidFill>
-                <a:effectLst/>
-                <a:uLnTx/>
-                <a:uFillTx/>
-                <a:latin typeface="Calibri" panose="020F0502020204030204"/>
-                <a:ea typeface="+mn-ea"/>
-                <a:cs typeface="+mn-cs"/>
-              </a:rPr>
-              <a:t>atency</a:t>
-            </a:r>
-            <a:r>
-              <a:rPr kumimoji="0" lang="en-US" sz="1800" b="0" i="0" u="none" strike="noStrike" kern="1200" cap="none" spc="0" normalizeH="0" baseline="0" noProof="0" dirty="0">
-                <a:ln>
-                  <a:noFill/>
-                </a:ln>
-                <a:solidFill>
-                  <a:prstClr val="black"/>
-                </a:solidFill>
-                <a:effectLst/>
-                <a:uLnTx/>
-                <a:uFillTx/>
-                <a:latin typeface="Calibri" panose="020F0502020204030204"/>
-                <a:ea typeface="+mn-ea"/>
-                <a:cs typeface="+mn-cs"/>
-              </a:rPr>
-              <a:t> </a:t>
-            </a:r>
-            <a:r>
-              <a:rPr kumimoji="0" lang="en-US" sz="1800" b="1" i="0" u="none" strike="noStrike" kern="1200" cap="none" spc="0" normalizeH="0" baseline="0" noProof="0" dirty="0">
-                <a:ln>
-                  <a:noFill/>
-                </a:ln>
-                <a:solidFill>
-                  <a:srgbClr val="70AD47">
-                    <a:lumMod val="50000"/>
-                  </a:srgbClr>
-                </a:solidFill>
-                <a:effectLst/>
-                <a:uLnTx/>
-                <a:uFillTx/>
-                <a:latin typeface="Calibri" panose="020F0502020204030204"/>
-                <a:ea typeface="+mn-ea"/>
-                <a:cs typeface="+mn-cs"/>
-              </a:rPr>
-              <a:t>↓</a:t>
-            </a:r>
-          </a:p>
-        </p:txBody>
-      </p:sp>
-      <p:pic>
-        <p:nvPicPr>
-          <p:cNvPr id="64" name="Graphic 63" descr="Checkbox Checked">
-            <a:extLst>
-              <a:ext uri="{FF2B5EF4-FFF2-40B4-BE49-F238E27FC236}">
-                <a16:creationId xmlns:a16="http://schemas.microsoft.com/office/drawing/2014/main" id="{799EC632-2EE2-F744-932A-B43F17167318}"/>
-              </a:ext>
-            </a:extLst>
-          </p:cNvPr>
-          <p:cNvPicPr>
-            <a:picLocks noChangeAspect="1"/>
-          </p:cNvPicPr>
-          <p:nvPr/>
-        </p:nvPicPr>
-        <p:blipFill>
-          <a:blip r:embed="rId27">
-            <a:extLst>
-              <a:ext uri="{96DAC541-7B7A-43D3-8B79-37D633B846F1}">
-                <asvg:svgBlip xmlns:asvg="http://schemas.microsoft.com/office/drawing/2016/SVG/main" r:embed="rId28"/>
-              </a:ext>
-            </a:extLst>
-          </a:blip>
-          <a:stretch>
-            <a:fillRect/>
-          </a:stretch>
-        </p:blipFill>
-        <p:spPr>
-          <a:xfrm>
-            <a:off x="9757204" y="2976899"/>
-            <a:ext cx="533808" cy="533808"/>
-          </a:xfrm>
-          <a:prstGeom prst="rect">
-            <a:avLst/>
-          </a:prstGeom>
-        </p:spPr>
-      </p:pic>
-      <p:sp>
-        <p:nvSpPr>
           <p:cNvPr id="65" name="TextBox 64">
             <a:extLst>
               <a:ext uri="{FF2B5EF4-FFF2-40B4-BE49-F238E27FC236}">
@@ -7143,126 +6906,6 @@
       </p:pic>
       <p:sp>
         <p:nvSpPr>
-          <p:cNvPr id="67" name="TextBox 66">
-            <a:extLst>
-              <a:ext uri="{FF2B5EF4-FFF2-40B4-BE49-F238E27FC236}">
-                <a16:creationId xmlns:a16="http://schemas.microsoft.com/office/drawing/2014/main" id="{CC3C5203-B96C-2C44-9F1B-A17B0C054CF4}"/>
-              </a:ext>
-            </a:extLst>
-          </p:cNvPr>
-          <p:cNvSpPr txBox="1"/>
-          <p:nvPr/>
-        </p:nvSpPr>
-        <p:spPr>
-          <a:xfrm>
-            <a:off x="10178283" y="3521477"/>
-            <a:ext cx="1343381" cy="369332"/>
-          </a:xfrm>
-          <a:prstGeom prst="rect">
-            <a:avLst/>
-          </a:prstGeom>
-          <a:noFill/>
-        </p:spPr>
-        <p:txBody>
-          <a:bodyPr wrap="none" rtlCol="0">
-            <a:spAutoFit/>
-          </a:bodyPr>
-          <a:lstStyle/>
-          <a:p>
-            <a:pPr marL="0" marR="0" lvl="0" indent="0" algn="l" defTabSz="914400" rtl="0" eaLnBrk="1" fontAlgn="auto" latinLnBrk="0" hangingPunct="1">
-              <a:lnSpc>
-                <a:spcPct val="100000"/>
-              </a:lnSpc>
-              <a:spcBef>
-                <a:spcPts val="0"/>
-              </a:spcBef>
-              <a:spcAft>
-                <a:spcPts val="0"/>
-              </a:spcAft>
-              <a:buClrTx/>
-              <a:buSzTx/>
-              <a:buFontTx/>
-              <a:buNone/>
-              <a:tabLst/>
-              <a:defRPr/>
-            </a:pPr>
-            <a:r>
-              <a:rPr kumimoji="0" lang="en-US" sz="1800" b="0" i="0" u="none" strike="noStrike" kern="1200" cap="none" spc="0" normalizeH="0" baseline="0" noProof="0" dirty="0">
-                <a:ln>
-                  <a:noFill/>
-                </a:ln>
-                <a:solidFill>
-                  <a:prstClr val="black"/>
-                </a:solidFill>
-                <a:effectLst/>
-                <a:uLnTx/>
-                <a:uFillTx/>
-                <a:latin typeface="Calibri" panose="020F0502020204030204"/>
-                <a:ea typeface="+mn-ea"/>
-                <a:cs typeface="+mn-cs"/>
-              </a:rPr>
-              <a:t>Error rate </a:t>
-            </a:r>
-            <a:r>
-              <a:rPr kumimoji="0" lang="en-US" sz="1800" b="1" i="0" u="none" strike="noStrike" kern="1200" cap="none" spc="0" normalizeH="0" baseline="0" noProof="0" dirty="0">
-                <a:ln>
-                  <a:noFill/>
-                </a:ln>
-                <a:solidFill>
-                  <a:srgbClr val="70AD47">
-                    <a:lumMod val="50000"/>
-                  </a:srgbClr>
-                </a:solidFill>
-                <a:effectLst/>
-                <a:uLnTx/>
-                <a:uFillTx/>
-                <a:latin typeface="Calibri" panose="020F0502020204030204"/>
-                <a:ea typeface="+mn-ea"/>
-                <a:cs typeface="+mn-cs"/>
-              </a:rPr>
-              <a:t>↓</a:t>
-            </a:r>
-          </a:p>
-        </p:txBody>
-      </p:sp>
-      <p:pic>
-        <p:nvPicPr>
-          <p:cNvPr id="68" name="Graphic 67" descr="Checkbox Checked">
-            <a:extLst>
-              <a:ext uri="{FF2B5EF4-FFF2-40B4-BE49-F238E27FC236}">
-                <a16:creationId xmlns:a16="http://schemas.microsoft.com/office/drawing/2014/main" id="{694C304C-7FD4-6C4B-979E-1AE072B1464E}"/>
-              </a:ext>
-            </a:extLst>
-          </p:cNvPr>
-          <p:cNvPicPr>
-            <a:picLocks noChangeAspect="1"/>
-          </p:cNvPicPr>
-          <p:nvPr/>
-        </p:nvPicPr>
-        <p:blipFill>
-          <a:blip r:embed="rId27">
-            <a:extLst>
-              <a:ext uri="{96DAC541-7B7A-43D3-8B79-37D633B846F1}">
-                <asvg:svgBlip xmlns:asvg="http://schemas.microsoft.com/office/drawing/2016/SVG/main" r:embed="rId28"/>
-              </a:ext>
-            </a:extLst>
-          </a:blip>
-          <a:stretch>
-            <a:fillRect/>
-          </a:stretch>
-        </p:blipFill>
-        <p:spPr>
-          <a:xfrm>
-            <a:off x="9757667" y="3439239"/>
-            <a:ext cx="533808" cy="533808"/>
-          </a:xfrm>
-          <a:prstGeom prst="rect">
-            <a:avLst/>
-          </a:prstGeom>
-        </p:spPr>
-      </p:pic>
-      <p:sp>
-        <p:nvSpPr>
           <p:cNvPr id="69" name="TextBox 68">
             <a:extLst>
               <a:ext uri="{FF2B5EF4-FFF2-40B4-BE49-F238E27FC236}">
@@ -7322,71 +6965,6 @@
                 <a:cs typeface="+mn-cs"/>
               </a:rPr>
               <a:t>Reward</a:t>
-            </a:r>
-          </a:p>
-        </p:txBody>
-      </p:sp>
-      <p:sp>
-        <p:nvSpPr>
-          <p:cNvPr id="70" name="TextBox 69">
-            <a:extLst>
-              <a:ext uri="{FF2B5EF4-FFF2-40B4-BE49-F238E27FC236}">
-                <a16:creationId xmlns:a16="http://schemas.microsoft.com/office/drawing/2014/main" id="{D962756B-D815-7140-A3A2-5BBFBC79675F}"/>
-              </a:ext>
-            </a:extLst>
-          </p:cNvPr>
-          <p:cNvSpPr txBox="1"/>
-          <p:nvPr/>
-        </p:nvSpPr>
-        <p:spPr>
-          <a:xfrm>
-            <a:off x="9797038" y="2700845"/>
-            <a:ext cx="1184427" cy="369332"/>
-          </a:xfrm>
-          <a:prstGeom prst="rect">
-            <a:avLst/>
-          </a:prstGeom>
-          <a:noFill/>
-        </p:spPr>
-        <p:txBody>
-          <a:bodyPr wrap="none" rtlCol="0">
-            <a:spAutoFit/>
-          </a:bodyPr>
-          <a:lstStyle/>
-          <a:p>
-            <a:pPr marL="0" marR="0" lvl="0" indent="0" algn="l" defTabSz="914400" rtl="0" eaLnBrk="1" fontAlgn="auto" latinLnBrk="0" hangingPunct="1">
-              <a:lnSpc>
-                <a:spcPct val="100000"/>
-              </a:lnSpc>
-              <a:spcBef>
-                <a:spcPts val="0"/>
-              </a:spcBef>
-              <a:spcAft>
-                <a:spcPts val="0"/>
-              </a:spcAft>
-              <a:buClrTx/>
-              <a:buSzTx/>
-              <a:buFontTx/>
-              <a:buNone/>
-              <a:tabLst/>
-              <a:defRPr/>
-            </a:pPr>
-            <a:r>
-              <a:rPr kumimoji="0" lang="en-US" sz="1800" b="1" i="0" u="none" strike="noStrike" kern="1200" cap="none" spc="0" normalizeH="0" baseline="0" noProof="0" dirty="0">
-                <a:ln>
-                  <a:noFill/>
-                </a:ln>
-                <a:solidFill>
-                  <a:srgbClr val="C00000"/>
-                </a:solidFill>
-                <a:effectLst/>
-                <a:uLnTx/>
-                <a:uFillTx/>
-                <a:latin typeface="Calibri" panose="020F0502020204030204"/>
-                <a:ea typeface="+mn-ea"/>
-                <a:cs typeface="+mn-cs"/>
-              </a:rPr>
-              <a:t>Objectives</a:t>
             </a:r>
           </a:p>
         </p:txBody>

--- a/mkdocs/docs/images/src/abn.pptx
+++ b/mkdocs/docs/images/src/abn.pptx
@@ -197,7 +197,7 @@
           <a:p>
             <a:fld id="{38B78CBE-37FA-D241-BB4C-CAC5D3B25F49}" type="datetimeFigureOut">
               <a:rPr lang="en-US" smtClean="0"/>
-              <a:t>6/15/21</a:t>
+              <a:t>6/16/21</a:t>
             </a:fld>
             <a:endParaRPr lang="en-US"/>
           </a:p>
@@ -695,7 +695,7 @@
           <a:p>
             <a:fld id="{708812C5-0212-FD42-A0D4-E2E8FF4E3AF5}" type="datetime1">
               <a:rPr lang="en-US" smtClean="0"/>
-              <a:t>6/15/21</a:t>
+              <a:t>6/16/21</a:t>
             </a:fld>
             <a:endParaRPr lang="en-US"/>
           </a:p>
@@ -896,7 +896,7 @@
           <a:p>
             <a:fld id="{D232AC6F-41C3-B34B-9BAA-03ED2F3BC0F6}" type="datetime1">
               <a:rPr lang="en-US" smtClean="0"/>
-              <a:t>6/15/21</a:t>
+              <a:t>6/16/21</a:t>
             </a:fld>
             <a:endParaRPr lang="en-US"/>
           </a:p>
@@ -1107,7 +1107,7 @@
           <a:p>
             <a:fld id="{BEE140C2-F440-9D49-95CB-5965D64CC4A2}" type="datetime1">
               <a:rPr lang="en-US" smtClean="0"/>
-              <a:t>6/15/21</a:t>
+              <a:t>6/16/21</a:t>
             </a:fld>
             <a:endParaRPr lang="en-US"/>
           </a:p>
@@ -1308,7 +1308,7 @@
           <a:p>
             <a:fld id="{CC99F980-FB29-FD47-8508-150F73F1E8B0}" type="datetime1">
               <a:rPr lang="en-US" smtClean="0"/>
-              <a:t>6/15/21</a:t>
+              <a:t>6/16/21</a:t>
             </a:fld>
             <a:endParaRPr lang="en-US"/>
           </a:p>
@@ -1586,7 +1586,7 @@
           <a:p>
             <a:fld id="{D4510983-EA22-9643-8AC0-B3C6499B643B}" type="datetime1">
               <a:rPr lang="en-US" smtClean="0"/>
-              <a:t>6/15/21</a:t>
+              <a:t>6/16/21</a:t>
             </a:fld>
             <a:endParaRPr lang="en-US"/>
           </a:p>
@@ -1854,7 +1854,7 @@
           <a:p>
             <a:fld id="{D5A39195-967D-5D4E-8C6A-C99866996458}" type="datetime1">
               <a:rPr lang="en-US" smtClean="0"/>
-              <a:t>6/15/21</a:t>
+              <a:t>6/16/21</a:t>
             </a:fld>
             <a:endParaRPr lang="en-US"/>
           </a:p>
@@ -2269,7 +2269,7 @@
           <a:p>
             <a:fld id="{5AD771E9-C79D-684D-A158-5EB6E92DE947}" type="datetime1">
               <a:rPr lang="en-US" smtClean="0"/>
-              <a:t>6/15/21</a:t>
+              <a:t>6/16/21</a:t>
             </a:fld>
             <a:endParaRPr lang="en-US"/>
           </a:p>
@@ -2413,7 +2413,7 @@
           <a:p>
             <a:fld id="{693CA161-7E4C-5C4B-B799-DB602A0B9806}" type="datetime1">
               <a:rPr lang="en-US" smtClean="0"/>
-              <a:t>6/15/21</a:t>
+              <a:t>6/16/21</a:t>
             </a:fld>
             <a:endParaRPr lang="en-US"/>
           </a:p>
@@ -2529,7 +2529,7 @@
           <a:p>
             <a:fld id="{6D55FDF3-8BB2-6349-A5FA-057F3D78953D}" type="datetime1">
               <a:rPr lang="en-US" smtClean="0"/>
-              <a:t>6/15/21</a:t>
+              <a:t>6/16/21</a:t>
             </a:fld>
             <a:endParaRPr lang="en-US"/>
           </a:p>
@@ -2843,7 +2843,7 @@
           <a:p>
             <a:fld id="{EEDFACC0-3228-BA4B-942E-CEF38B0101FD}" type="datetime1">
               <a:rPr lang="en-US" smtClean="0"/>
-              <a:t>6/15/21</a:t>
+              <a:t>6/16/21</a:t>
             </a:fld>
             <a:endParaRPr lang="en-US"/>
           </a:p>
@@ -3134,7 +3134,7 @@
           <a:p>
             <a:fld id="{07EEEDBE-E24C-D140-B419-6D8D592D0F1C}" type="datetime1">
               <a:rPr lang="en-US" smtClean="0"/>
-              <a:t>6/15/21</a:t>
+              <a:t>6/16/21</a:t>
             </a:fld>
             <a:endParaRPr lang="en-US"/>
           </a:p>
@@ -3378,7 +3378,7 @@
           <a:p>
             <a:fld id="{E05781A2-A5EF-C54C-A3EF-F62483D37EDC}" type="datetime1">
               <a:rPr lang="en-US" smtClean="0"/>
-              <a:t>6/15/21</a:t>
+              <a:t>6/16/21</a:t>
             </a:fld>
             <a:endParaRPr lang="en-US"/>
           </a:p>
@@ -6784,12 +6784,48 @@
           </a:fontRef>
         </p:style>
       </p:cxnSp>
-      <p:sp>
-        <p:nvSpPr>
-          <p:cNvPr id="65" name="TextBox 64">
-            <a:extLst>
-              <a:ext uri="{FF2B5EF4-FFF2-40B4-BE49-F238E27FC236}">
-                <a16:creationId xmlns:a16="http://schemas.microsoft.com/office/drawing/2014/main" id="{7EAD730C-0D27-584F-ACDE-DC936D0B6717}"/>
+      <p:cxnSp>
+        <p:nvCxnSpPr>
+          <p:cNvPr id="88" name="Straight Connector 87">
+            <a:extLst>
+              <a:ext uri="{FF2B5EF4-FFF2-40B4-BE49-F238E27FC236}">
+                <a16:creationId xmlns:a16="http://schemas.microsoft.com/office/drawing/2014/main" id="{8FBCD5F7-5330-FA40-A22C-A0734BC1843F}"/>
+              </a:ext>
+            </a:extLst>
+          </p:cNvPr>
+          <p:cNvCxnSpPr/>
+          <p:nvPr/>
+        </p:nvCxnSpPr>
+        <p:spPr>
+          <a:xfrm>
+            <a:off x="9766590" y="1583151"/>
+            <a:ext cx="0" cy="3157373"/>
+          </a:xfrm>
+          <a:prstGeom prst="line">
+            <a:avLst/>
+          </a:prstGeom>
+        </p:spPr>
+        <p:style>
+          <a:lnRef idx="1">
+            <a:schemeClr val="accent1"/>
+          </a:lnRef>
+          <a:fillRef idx="0">
+            <a:schemeClr val="accent1"/>
+          </a:fillRef>
+          <a:effectRef idx="0">
+            <a:schemeClr val="accent1"/>
+          </a:effectRef>
+          <a:fontRef idx="minor">
+            <a:schemeClr val="tx1"/>
+          </a:fontRef>
+        </p:style>
+      </p:cxnSp>
+      <p:sp>
+        <p:nvSpPr>
+          <p:cNvPr id="58" name="TextBox 57">
+            <a:extLst>
+              <a:ext uri="{FF2B5EF4-FFF2-40B4-BE49-F238E27FC236}">
+                <a16:creationId xmlns:a16="http://schemas.microsoft.com/office/drawing/2014/main" id="{4067C3C9-C13D-2A42-9BEA-255B9A789A5C}"/>
               </a:ext>
             </a:extLst>
           </p:cNvPr>
@@ -6798,7 +6834,7 @@
         </p:nvSpPr>
         <p:spPr>
           <a:xfrm>
-            <a:off x="10177820" y="2080520"/>
+            <a:off x="10104250" y="3194613"/>
             <a:ext cx="2103140" cy="369332"/>
           </a:xfrm>
           <a:prstGeom prst="rect">
@@ -6870,10 +6906,10 @@
       </p:sp>
       <p:pic>
         <p:nvPicPr>
-          <p:cNvPr id="66" name="Graphic 65" descr="Checkbox Checked">
-            <a:extLst>
-              <a:ext uri="{FF2B5EF4-FFF2-40B4-BE49-F238E27FC236}">
-                <a16:creationId xmlns:a16="http://schemas.microsoft.com/office/drawing/2014/main" id="{A7AFB983-2394-7C49-9A2F-340DCD859E80}"/>
+          <p:cNvPr id="59" name="Graphic 58" descr="Checkbox Checked">
+            <a:extLst>
+              <a:ext uri="{FF2B5EF4-FFF2-40B4-BE49-F238E27FC236}">
+                <a16:creationId xmlns:a16="http://schemas.microsoft.com/office/drawing/2014/main" id="{3FB29241-2348-6646-B8F6-984E7D091D3B}"/>
               </a:ext>
             </a:extLst>
           </p:cNvPr>
@@ -6896,7 +6932,7 @@
         </p:blipFill>
         <p:spPr>
           <a:xfrm>
-            <a:off x="9757204" y="1998282"/>
+            <a:off x="9683634" y="3112375"/>
             <a:ext cx="533808" cy="533808"/>
           </a:xfrm>
           <a:prstGeom prst="rect">
@@ -6906,10 +6942,10 @@
       </p:pic>
       <p:sp>
         <p:nvSpPr>
-          <p:cNvPr id="69" name="TextBox 68">
-            <a:extLst>
-              <a:ext uri="{FF2B5EF4-FFF2-40B4-BE49-F238E27FC236}">
-                <a16:creationId xmlns:a16="http://schemas.microsoft.com/office/drawing/2014/main" id="{2443F1AE-87DB-5B41-800E-A521789DE135}"/>
+          <p:cNvPr id="60" name="TextBox 59">
+            <a:extLst>
+              <a:ext uri="{FF2B5EF4-FFF2-40B4-BE49-F238E27FC236}">
+                <a16:creationId xmlns:a16="http://schemas.microsoft.com/office/drawing/2014/main" id="{FA535450-79CB-5143-B08A-E54568AA8175}"/>
               </a:ext>
             </a:extLst>
           </p:cNvPr>
@@ -6918,7 +6954,7 @@
         </p:nvSpPr>
         <p:spPr>
           <a:xfrm>
-            <a:off x="9797038" y="1698219"/>
+            <a:off x="9723468" y="2812312"/>
             <a:ext cx="910570" cy="369332"/>
           </a:xfrm>
           <a:prstGeom prst="rect">
@@ -6969,42 +7005,6 @@
           </a:p>
         </p:txBody>
       </p:sp>
-      <p:cxnSp>
-        <p:nvCxnSpPr>
-          <p:cNvPr id="88" name="Straight Connector 87">
-            <a:extLst>
-              <a:ext uri="{FF2B5EF4-FFF2-40B4-BE49-F238E27FC236}">
-                <a16:creationId xmlns:a16="http://schemas.microsoft.com/office/drawing/2014/main" id="{8FBCD5F7-5330-FA40-A22C-A0734BC1843F}"/>
-              </a:ext>
-            </a:extLst>
-          </p:cNvPr>
-          <p:cNvCxnSpPr/>
-          <p:nvPr/>
-        </p:nvCxnSpPr>
-        <p:spPr>
-          <a:xfrm>
-            <a:off x="9766590" y="1583151"/>
-            <a:ext cx="0" cy="3157373"/>
-          </a:xfrm>
-          <a:prstGeom prst="line">
-            <a:avLst/>
-          </a:prstGeom>
-        </p:spPr>
-        <p:style>
-          <a:lnRef idx="1">
-            <a:schemeClr val="accent1"/>
-          </a:lnRef>
-          <a:fillRef idx="0">
-            <a:schemeClr val="accent1"/>
-          </a:fillRef>
-          <a:effectRef idx="0">
-            <a:schemeClr val="accent1"/>
-          </a:effectRef>
-          <a:fontRef idx="minor">
-            <a:schemeClr val="tx1"/>
-          </a:fontRef>
-        </p:style>
-      </p:cxnSp>
     </p:spTree>
     <p:extLst>
       <p:ext uri="{BB962C8B-B14F-4D97-AF65-F5344CB8AC3E}">

--- a/mkdocs/docs/images/src/abn.pptx
+++ b/mkdocs/docs/images/src/abn.pptx
@@ -197,7 +197,7 @@
           <a:p>
             <a:fld id="{38B78CBE-37FA-D241-BB4C-CAC5D3B25F49}" type="datetimeFigureOut">
               <a:rPr lang="en-US" smtClean="0"/>
-              <a:t>4/28/21</a:t>
+              <a:t>6/16/21</a:t>
             </a:fld>
             <a:endParaRPr lang="en-US"/>
           </a:p>
@@ -695,7 +695,7 @@
           <a:p>
             <a:fld id="{708812C5-0212-FD42-A0D4-E2E8FF4E3AF5}" type="datetime1">
               <a:rPr lang="en-US" smtClean="0"/>
-              <a:t>4/28/21</a:t>
+              <a:t>6/16/21</a:t>
             </a:fld>
             <a:endParaRPr lang="en-US"/>
           </a:p>
@@ -896,7 +896,7 @@
           <a:p>
             <a:fld id="{D232AC6F-41C3-B34B-9BAA-03ED2F3BC0F6}" type="datetime1">
               <a:rPr lang="en-US" smtClean="0"/>
-              <a:t>4/28/21</a:t>
+              <a:t>6/16/21</a:t>
             </a:fld>
             <a:endParaRPr lang="en-US"/>
           </a:p>
@@ -1107,7 +1107,7 @@
           <a:p>
             <a:fld id="{BEE140C2-F440-9D49-95CB-5965D64CC4A2}" type="datetime1">
               <a:rPr lang="en-US" smtClean="0"/>
-              <a:t>4/28/21</a:t>
+              <a:t>6/16/21</a:t>
             </a:fld>
             <a:endParaRPr lang="en-US"/>
           </a:p>
@@ -1308,7 +1308,7 @@
           <a:p>
             <a:fld id="{CC99F980-FB29-FD47-8508-150F73F1E8B0}" type="datetime1">
               <a:rPr lang="en-US" smtClean="0"/>
-              <a:t>4/28/21</a:t>
+              <a:t>6/16/21</a:t>
             </a:fld>
             <a:endParaRPr lang="en-US"/>
           </a:p>
@@ -1586,7 +1586,7 @@
           <a:p>
             <a:fld id="{D4510983-EA22-9643-8AC0-B3C6499B643B}" type="datetime1">
               <a:rPr lang="en-US" smtClean="0"/>
-              <a:t>4/28/21</a:t>
+              <a:t>6/16/21</a:t>
             </a:fld>
             <a:endParaRPr lang="en-US"/>
           </a:p>
@@ -1854,7 +1854,7 @@
           <a:p>
             <a:fld id="{D5A39195-967D-5D4E-8C6A-C99866996458}" type="datetime1">
               <a:rPr lang="en-US" smtClean="0"/>
-              <a:t>4/28/21</a:t>
+              <a:t>6/16/21</a:t>
             </a:fld>
             <a:endParaRPr lang="en-US"/>
           </a:p>
@@ -2269,7 +2269,7 @@
           <a:p>
             <a:fld id="{5AD771E9-C79D-684D-A158-5EB6E92DE947}" type="datetime1">
               <a:rPr lang="en-US" smtClean="0"/>
-              <a:t>4/28/21</a:t>
+              <a:t>6/16/21</a:t>
             </a:fld>
             <a:endParaRPr lang="en-US"/>
           </a:p>
@@ -2413,7 +2413,7 @@
           <a:p>
             <a:fld id="{693CA161-7E4C-5C4B-B799-DB602A0B9806}" type="datetime1">
               <a:rPr lang="en-US" smtClean="0"/>
-              <a:t>4/28/21</a:t>
+              <a:t>6/16/21</a:t>
             </a:fld>
             <a:endParaRPr lang="en-US"/>
           </a:p>
@@ -2529,7 +2529,7 @@
           <a:p>
             <a:fld id="{6D55FDF3-8BB2-6349-A5FA-057F3D78953D}" type="datetime1">
               <a:rPr lang="en-US" smtClean="0"/>
-              <a:t>4/28/21</a:t>
+              <a:t>6/16/21</a:t>
             </a:fld>
             <a:endParaRPr lang="en-US"/>
           </a:p>
@@ -2843,7 +2843,7 @@
           <a:p>
             <a:fld id="{EEDFACC0-3228-BA4B-942E-CEF38B0101FD}" type="datetime1">
               <a:rPr lang="en-US" smtClean="0"/>
-              <a:t>4/28/21</a:t>
+              <a:t>6/16/21</a:t>
             </a:fld>
             <a:endParaRPr lang="en-US"/>
           </a:p>
@@ -3134,7 +3134,7 @@
           <a:p>
             <a:fld id="{07EEEDBE-E24C-D140-B419-6D8D592D0F1C}" type="datetime1">
               <a:rPr lang="en-US" smtClean="0"/>
-              <a:t>4/28/21</a:t>
+              <a:t>6/16/21</a:t>
             </a:fld>
             <a:endParaRPr lang="en-US"/>
           </a:p>
@@ -3378,7 +3378,7 @@
           <a:p>
             <a:fld id="{E05781A2-A5EF-C54C-A3EF-F62483D37EDC}" type="datetime1">
               <a:rPr lang="en-US" smtClean="0"/>
-              <a:t>4/28/21</a:t>
+              <a:t>6/16/21</a:t>
             </a:fld>
             <a:endParaRPr lang="en-US"/>
           </a:p>
@@ -6784,95 +6784,48 @@
           </a:fontRef>
         </p:style>
       </p:cxnSp>
-      <p:sp>
-        <p:nvSpPr>
-          <p:cNvPr id="62" name="Rounded Rectangle 61">
-            <a:extLst>
-              <a:ext uri="{FF2B5EF4-FFF2-40B4-BE49-F238E27FC236}">
-                <a16:creationId xmlns:a16="http://schemas.microsoft.com/office/drawing/2014/main" id="{662EB6E8-9DDB-6E46-8F53-E4E993907151}"/>
-              </a:ext>
-            </a:extLst>
-          </p:cNvPr>
-          <p:cNvSpPr/>
+      <p:cxnSp>
+        <p:nvCxnSpPr>
+          <p:cNvPr id="88" name="Straight Connector 87">
+            <a:extLst>
+              <a:ext uri="{FF2B5EF4-FFF2-40B4-BE49-F238E27FC236}">
+                <a16:creationId xmlns:a16="http://schemas.microsoft.com/office/drawing/2014/main" id="{8FBCD5F7-5330-FA40-A22C-A0734BC1843F}"/>
+              </a:ext>
+            </a:extLst>
+          </p:cNvPr>
+          <p:cNvCxnSpPr/>
           <p:nvPr/>
-        </p:nvSpPr>
-        <p:spPr>
-          <a:xfrm>
-            <a:off x="9705409" y="2608815"/>
-            <a:ext cx="816445" cy="1041636"/>
-          </a:xfrm>
-          <a:prstGeom prst="roundRect">
+        </p:nvCxnSpPr>
+        <p:spPr>
+          <a:xfrm>
+            <a:off x="9766590" y="1583151"/>
+            <a:ext cx="0" cy="3157373"/>
+          </a:xfrm>
+          <a:prstGeom prst="line">
             <a:avLst/>
           </a:prstGeom>
-          <a:solidFill>
-            <a:schemeClr val="bg1"/>
-          </a:solidFill>
-          <a:ln>
-            <a:solidFill>
-              <a:schemeClr val="bg1"/>
-            </a:solidFill>
-          </a:ln>
         </p:spPr>
         <p:style>
-          <a:lnRef idx="2">
-            <a:schemeClr val="accent1">
-              <a:shade val="50000"/>
-            </a:schemeClr>
+          <a:lnRef idx="1">
+            <a:schemeClr val="accent1"/>
           </a:lnRef>
-          <a:fillRef idx="1">
+          <a:fillRef idx="0">
             <a:schemeClr val="accent1"/>
           </a:fillRef>
           <a:effectRef idx="0">
             <a:schemeClr val="accent1"/>
           </a:effectRef>
           <a:fontRef idx="minor">
-            <a:schemeClr val="lt1"/>
+            <a:schemeClr val="tx1"/>
           </a:fontRef>
         </p:style>
-        <p:txBody>
-          <a:bodyPr rtlCol="0" anchor="ctr"/>
-          <a:lstStyle/>
-          <a:p>
-            <a:pPr marL="0" marR="0" lvl="0" indent="0" algn="ctr" defTabSz="914400" rtl="0" eaLnBrk="1" fontAlgn="auto" latinLnBrk="0" hangingPunct="1">
-              <a:lnSpc>
-                <a:spcPct val="100000"/>
-              </a:lnSpc>
-              <a:spcBef>
-                <a:spcPts val="0"/>
-              </a:spcBef>
-              <a:spcAft>
-                <a:spcPts val="0"/>
-              </a:spcAft>
-              <a:buClrTx/>
-              <a:buSzTx/>
-              <a:buFontTx/>
-              <a:buNone/>
-              <a:tabLst/>
-              <a:defRPr/>
-            </a:pPr>
-            <a:endParaRPr kumimoji="0" lang="en-US" sz="1800" b="0" i="0" u="none" strike="noStrike" kern="1200" cap="none" spc="0" normalizeH="0" baseline="0" noProof="0">
-              <a:ln>
-                <a:noFill/>
-              </a:ln>
-              <a:solidFill>
-                <a:prstClr val="white"/>
-              </a:solidFill>
-              <a:effectLst/>
-              <a:uLnTx/>
-              <a:uFillTx/>
-              <a:latin typeface="Calibri" panose="020F0502020204030204"/>
-              <a:ea typeface="+mn-ea"/>
-              <a:cs typeface="+mn-cs"/>
-            </a:endParaRPr>
-          </a:p>
-        </p:txBody>
-      </p:sp>
-      <p:sp>
-        <p:nvSpPr>
-          <p:cNvPr id="63" name="TextBox 62">
-            <a:extLst>
-              <a:ext uri="{FF2B5EF4-FFF2-40B4-BE49-F238E27FC236}">
-                <a16:creationId xmlns:a16="http://schemas.microsoft.com/office/drawing/2014/main" id="{E3B367F5-BD39-364F-8ECC-35513138556C}"/>
+      </p:cxnSp>
+      <p:sp>
+        <p:nvSpPr>
+          <p:cNvPr id="58" name="TextBox 57">
+            <a:extLst>
+              <a:ext uri="{FF2B5EF4-FFF2-40B4-BE49-F238E27FC236}">
+                <a16:creationId xmlns:a16="http://schemas.microsoft.com/office/drawing/2014/main" id="{4067C3C9-C13D-2A42-9BEA-255B9A789A5C}"/>
               </a:ext>
             </a:extLst>
           </p:cNvPr>
@@ -6881,161 +6834,7 @@
         </p:nvSpPr>
         <p:spPr>
           <a:xfrm>
-            <a:off x="10177820" y="3059137"/>
-            <a:ext cx="1165897" cy="369332"/>
-          </a:xfrm>
-          <a:prstGeom prst="rect">
-            <a:avLst/>
-          </a:prstGeom>
-          <a:noFill/>
-        </p:spPr>
-        <p:txBody>
-          <a:bodyPr wrap="none" rtlCol="0">
-            <a:spAutoFit/>
-          </a:bodyPr>
-          <a:lstStyle/>
-          <a:p>
-            <a:pPr marL="0" marR="0" lvl="0" indent="0" algn="l" defTabSz="914400" rtl="0" eaLnBrk="1" fontAlgn="auto" latinLnBrk="0" hangingPunct="1">
-              <a:lnSpc>
-                <a:spcPct val="100000"/>
-              </a:lnSpc>
-              <a:spcBef>
-                <a:spcPts val="0"/>
-              </a:spcBef>
-              <a:spcAft>
-                <a:spcPts val="0"/>
-              </a:spcAft>
-              <a:buClrTx/>
-              <a:buSzTx/>
-              <a:buFontTx/>
-              <a:buNone/>
-              <a:tabLst/>
-              <a:defRPr/>
-            </a:pPr>
-            <a:r>
-              <a:rPr kumimoji="0" lang="en-US" sz="1800" b="0" i="0" u="none" strike="noStrike" kern="1200" cap="none" spc="0" normalizeH="0" baseline="0" noProof="0" dirty="0">
-                <a:ln>
-                  <a:noFill/>
-                </a:ln>
-                <a:solidFill>
-                  <a:prstClr val="black"/>
-                </a:solidFill>
-                <a:effectLst/>
-                <a:uLnTx/>
-                <a:uFillTx/>
-                <a:latin typeface="Calibri" panose="020F0502020204030204"/>
-                <a:ea typeface="+mn-ea"/>
-                <a:cs typeface="+mn-cs"/>
-              </a:rPr>
-              <a:t>L</a:t>
-            </a:r>
-            <a:r>
-              <a:rPr kumimoji="0" lang="en-US" sz="1800" b="0" i="0" u="none" strike="noStrike" kern="1200" cap="none" spc="0" normalizeH="0" baseline="0" noProof="0" dirty="0" err="1">
-                <a:ln>
-                  <a:noFill/>
-                </a:ln>
-                <a:solidFill>
-                  <a:prstClr val="black"/>
-                </a:solidFill>
-                <a:effectLst/>
-                <a:uLnTx/>
-                <a:uFillTx/>
-                <a:latin typeface="Calibri" panose="020F0502020204030204"/>
-                <a:ea typeface="+mn-ea"/>
-                <a:cs typeface="+mn-cs"/>
-              </a:rPr>
-              <a:t>atency</a:t>
-            </a:r>
-            <a:r>
-              <a:rPr kumimoji="0" lang="en-US" sz="1800" b="0" i="0" u="none" strike="noStrike" kern="1200" cap="none" spc="0" normalizeH="0" baseline="0" noProof="0" dirty="0">
-                <a:ln>
-                  <a:noFill/>
-                </a:ln>
-                <a:solidFill>
-                  <a:prstClr val="black"/>
-                </a:solidFill>
-                <a:effectLst/>
-                <a:uLnTx/>
-                <a:uFillTx/>
-                <a:latin typeface="Calibri" panose="020F0502020204030204"/>
-                <a:ea typeface="+mn-ea"/>
-                <a:cs typeface="+mn-cs"/>
-              </a:rPr>
-              <a:t> </a:t>
-            </a:r>
-            <a:r>
-              <a:rPr kumimoji="0" lang="en-US" sz="1800" b="1" i="0" u="none" strike="noStrike" kern="1200" cap="none" spc="0" normalizeH="0" baseline="0" noProof="0" dirty="0">
-                <a:ln>
-                  <a:noFill/>
-                </a:ln>
-                <a:solidFill>
-                  <a:srgbClr val="70AD47">
-                    <a:lumMod val="50000"/>
-                  </a:srgbClr>
-                </a:solidFill>
-                <a:effectLst/>
-                <a:uLnTx/>
-                <a:uFillTx/>
-                <a:latin typeface="Calibri" panose="020F0502020204030204"/>
-                <a:ea typeface="+mn-ea"/>
-                <a:cs typeface="+mn-cs"/>
-              </a:rPr>
-              <a:t>↓</a:t>
-            </a:r>
-          </a:p>
-        </p:txBody>
-      </p:sp>
-      <p:pic>
-        <p:nvPicPr>
-          <p:cNvPr id="64" name="Graphic 63" descr="Checkbox Checked">
-            <a:extLst>
-              <a:ext uri="{FF2B5EF4-FFF2-40B4-BE49-F238E27FC236}">
-                <a16:creationId xmlns:a16="http://schemas.microsoft.com/office/drawing/2014/main" id="{799EC632-2EE2-F744-932A-B43F17167318}"/>
-              </a:ext>
-            </a:extLst>
-          </p:cNvPr>
-          <p:cNvPicPr>
-            <a:picLocks noChangeAspect="1"/>
-          </p:cNvPicPr>
-          <p:nvPr/>
-        </p:nvPicPr>
-        <p:blipFill>
-          <a:blip r:embed="rId27">
-            <a:extLst>
-              <a:ext uri="{96DAC541-7B7A-43D3-8B79-37D633B846F1}">
-                <asvg:svgBlip xmlns:asvg="http://schemas.microsoft.com/office/drawing/2016/SVG/main" r:embed="rId28"/>
-              </a:ext>
-            </a:extLst>
-          </a:blip>
-          <a:stretch>
-            <a:fillRect/>
-          </a:stretch>
-        </p:blipFill>
-        <p:spPr>
-          <a:xfrm>
-            <a:off x="9757204" y="2976899"/>
-            <a:ext cx="533808" cy="533808"/>
-          </a:xfrm>
-          <a:prstGeom prst="rect">
-            <a:avLst/>
-          </a:prstGeom>
-        </p:spPr>
-      </p:pic>
-      <p:sp>
-        <p:nvSpPr>
-          <p:cNvPr id="65" name="TextBox 64">
-            <a:extLst>
-              <a:ext uri="{FF2B5EF4-FFF2-40B4-BE49-F238E27FC236}">
-                <a16:creationId xmlns:a16="http://schemas.microsoft.com/office/drawing/2014/main" id="{7EAD730C-0D27-584F-ACDE-DC936D0B6717}"/>
-              </a:ext>
-            </a:extLst>
-          </p:cNvPr>
-          <p:cNvSpPr txBox="1"/>
-          <p:nvPr/>
-        </p:nvSpPr>
-        <p:spPr>
-          <a:xfrm>
-            <a:off x="10177820" y="2080520"/>
+            <a:off x="10104250" y="3194613"/>
             <a:ext cx="2103140" cy="369332"/>
           </a:xfrm>
           <a:prstGeom prst="rect">
@@ -7107,10 +6906,10 @@
       </p:sp>
       <p:pic>
         <p:nvPicPr>
-          <p:cNvPr id="66" name="Graphic 65" descr="Checkbox Checked">
-            <a:extLst>
-              <a:ext uri="{FF2B5EF4-FFF2-40B4-BE49-F238E27FC236}">
-                <a16:creationId xmlns:a16="http://schemas.microsoft.com/office/drawing/2014/main" id="{A7AFB983-2394-7C49-9A2F-340DCD859E80}"/>
+          <p:cNvPr id="59" name="Graphic 58" descr="Checkbox Checked">
+            <a:extLst>
+              <a:ext uri="{FF2B5EF4-FFF2-40B4-BE49-F238E27FC236}">
+                <a16:creationId xmlns:a16="http://schemas.microsoft.com/office/drawing/2014/main" id="{3FB29241-2348-6646-B8F6-984E7D091D3B}"/>
               </a:ext>
             </a:extLst>
           </p:cNvPr>
@@ -7133,7 +6932,7 @@
         </p:blipFill>
         <p:spPr>
           <a:xfrm>
-            <a:off x="9757204" y="1998282"/>
+            <a:off x="9683634" y="3112375"/>
             <a:ext cx="533808" cy="533808"/>
           </a:xfrm>
           <a:prstGeom prst="rect">
@@ -7143,10 +6942,10 @@
       </p:pic>
       <p:sp>
         <p:nvSpPr>
-          <p:cNvPr id="67" name="TextBox 66">
-            <a:extLst>
-              <a:ext uri="{FF2B5EF4-FFF2-40B4-BE49-F238E27FC236}">
-                <a16:creationId xmlns:a16="http://schemas.microsoft.com/office/drawing/2014/main" id="{CC3C5203-B96C-2C44-9F1B-A17B0C054CF4}"/>
+          <p:cNvPr id="60" name="TextBox 59">
+            <a:extLst>
+              <a:ext uri="{FF2B5EF4-FFF2-40B4-BE49-F238E27FC236}">
+                <a16:creationId xmlns:a16="http://schemas.microsoft.com/office/drawing/2014/main" id="{FA535450-79CB-5143-B08A-E54568AA8175}"/>
               </a:ext>
             </a:extLst>
           </p:cNvPr>
@@ -7155,127 +6954,7 @@
         </p:nvSpPr>
         <p:spPr>
           <a:xfrm>
-            <a:off x="10178283" y="3521477"/>
-            <a:ext cx="1343381" cy="369332"/>
-          </a:xfrm>
-          <a:prstGeom prst="rect">
-            <a:avLst/>
-          </a:prstGeom>
-          <a:noFill/>
-        </p:spPr>
-        <p:txBody>
-          <a:bodyPr wrap="none" rtlCol="0">
-            <a:spAutoFit/>
-          </a:bodyPr>
-          <a:lstStyle/>
-          <a:p>
-            <a:pPr marL="0" marR="0" lvl="0" indent="0" algn="l" defTabSz="914400" rtl="0" eaLnBrk="1" fontAlgn="auto" latinLnBrk="0" hangingPunct="1">
-              <a:lnSpc>
-                <a:spcPct val="100000"/>
-              </a:lnSpc>
-              <a:spcBef>
-                <a:spcPts val="0"/>
-              </a:spcBef>
-              <a:spcAft>
-                <a:spcPts val="0"/>
-              </a:spcAft>
-              <a:buClrTx/>
-              <a:buSzTx/>
-              <a:buFontTx/>
-              <a:buNone/>
-              <a:tabLst/>
-              <a:defRPr/>
-            </a:pPr>
-            <a:r>
-              <a:rPr kumimoji="0" lang="en-US" sz="1800" b="0" i="0" u="none" strike="noStrike" kern="1200" cap="none" spc="0" normalizeH="0" baseline="0" noProof="0" dirty="0">
-                <a:ln>
-                  <a:noFill/>
-                </a:ln>
-                <a:solidFill>
-                  <a:prstClr val="black"/>
-                </a:solidFill>
-                <a:effectLst/>
-                <a:uLnTx/>
-                <a:uFillTx/>
-                <a:latin typeface="Calibri" panose="020F0502020204030204"/>
-                <a:ea typeface="+mn-ea"/>
-                <a:cs typeface="+mn-cs"/>
-              </a:rPr>
-              <a:t>Error rate </a:t>
-            </a:r>
-            <a:r>
-              <a:rPr kumimoji="0" lang="en-US" sz="1800" b="1" i="0" u="none" strike="noStrike" kern="1200" cap="none" spc="0" normalizeH="0" baseline="0" noProof="0" dirty="0">
-                <a:ln>
-                  <a:noFill/>
-                </a:ln>
-                <a:solidFill>
-                  <a:srgbClr val="70AD47">
-                    <a:lumMod val="50000"/>
-                  </a:srgbClr>
-                </a:solidFill>
-                <a:effectLst/>
-                <a:uLnTx/>
-                <a:uFillTx/>
-                <a:latin typeface="Calibri" panose="020F0502020204030204"/>
-                <a:ea typeface="+mn-ea"/>
-                <a:cs typeface="+mn-cs"/>
-              </a:rPr>
-              <a:t>↓</a:t>
-            </a:r>
-          </a:p>
-        </p:txBody>
-      </p:sp>
-      <p:pic>
-        <p:nvPicPr>
-          <p:cNvPr id="68" name="Graphic 67" descr="Checkbox Checked">
-            <a:extLst>
-              <a:ext uri="{FF2B5EF4-FFF2-40B4-BE49-F238E27FC236}">
-                <a16:creationId xmlns:a16="http://schemas.microsoft.com/office/drawing/2014/main" id="{694C304C-7FD4-6C4B-979E-1AE072B1464E}"/>
-              </a:ext>
-            </a:extLst>
-          </p:cNvPr>
-          <p:cNvPicPr>
-            <a:picLocks noChangeAspect="1"/>
-          </p:cNvPicPr>
-          <p:nvPr/>
-        </p:nvPicPr>
-        <p:blipFill>
-          <a:blip r:embed="rId27">
-            <a:extLst>
-              <a:ext uri="{96DAC541-7B7A-43D3-8B79-37D633B846F1}">
-                <asvg:svgBlip xmlns:asvg="http://schemas.microsoft.com/office/drawing/2016/SVG/main" r:embed="rId28"/>
-              </a:ext>
-            </a:extLst>
-          </a:blip>
-          <a:stretch>
-            <a:fillRect/>
-          </a:stretch>
-        </p:blipFill>
-        <p:spPr>
-          <a:xfrm>
-            <a:off x="9757667" y="3439239"/>
-            <a:ext cx="533808" cy="533808"/>
-          </a:xfrm>
-          <a:prstGeom prst="rect">
-            <a:avLst/>
-          </a:prstGeom>
-        </p:spPr>
-      </p:pic>
-      <p:sp>
-        <p:nvSpPr>
-          <p:cNvPr id="69" name="TextBox 68">
-            <a:extLst>
-              <a:ext uri="{FF2B5EF4-FFF2-40B4-BE49-F238E27FC236}">
-                <a16:creationId xmlns:a16="http://schemas.microsoft.com/office/drawing/2014/main" id="{2443F1AE-87DB-5B41-800E-A521789DE135}"/>
-              </a:ext>
-            </a:extLst>
-          </p:cNvPr>
-          <p:cNvSpPr txBox="1"/>
-          <p:nvPr/>
-        </p:nvSpPr>
-        <p:spPr>
-          <a:xfrm>
-            <a:off x="9797038" y="1698219"/>
+            <a:off x="9723468" y="2812312"/>
             <a:ext cx="910570" cy="369332"/>
           </a:xfrm>
           <a:prstGeom prst="rect">
@@ -7326,107 +7005,6 @@
           </a:p>
         </p:txBody>
       </p:sp>
-      <p:sp>
-        <p:nvSpPr>
-          <p:cNvPr id="70" name="TextBox 69">
-            <a:extLst>
-              <a:ext uri="{FF2B5EF4-FFF2-40B4-BE49-F238E27FC236}">
-                <a16:creationId xmlns:a16="http://schemas.microsoft.com/office/drawing/2014/main" id="{D962756B-D815-7140-A3A2-5BBFBC79675F}"/>
-              </a:ext>
-            </a:extLst>
-          </p:cNvPr>
-          <p:cNvSpPr txBox="1"/>
-          <p:nvPr/>
-        </p:nvSpPr>
-        <p:spPr>
-          <a:xfrm>
-            <a:off x="9797038" y="2700845"/>
-            <a:ext cx="1184427" cy="369332"/>
-          </a:xfrm>
-          <a:prstGeom prst="rect">
-            <a:avLst/>
-          </a:prstGeom>
-          <a:noFill/>
-        </p:spPr>
-        <p:txBody>
-          <a:bodyPr wrap="none" rtlCol="0">
-            <a:spAutoFit/>
-          </a:bodyPr>
-          <a:lstStyle/>
-          <a:p>
-            <a:pPr marL="0" marR="0" lvl="0" indent="0" algn="l" defTabSz="914400" rtl="0" eaLnBrk="1" fontAlgn="auto" latinLnBrk="0" hangingPunct="1">
-              <a:lnSpc>
-                <a:spcPct val="100000"/>
-              </a:lnSpc>
-              <a:spcBef>
-                <a:spcPts val="0"/>
-              </a:spcBef>
-              <a:spcAft>
-                <a:spcPts val="0"/>
-              </a:spcAft>
-              <a:buClrTx/>
-              <a:buSzTx/>
-              <a:buFontTx/>
-              <a:buNone/>
-              <a:tabLst/>
-              <a:defRPr/>
-            </a:pPr>
-            <a:r>
-              <a:rPr kumimoji="0" lang="en-US" sz="1800" b="1" i="0" u="none" strike="noStrike" kern="1200" cap="none" spc="0" normalizeH="0" baseline="0" noProof="0" dirty="0">
-                <a:ln>
-                  <a:noFill/>
-                </a:ln>
-                <a:solidFill>
-                  <a:srgbClr val="C00000"/>
-                </a:solidFill>
-                <a:effectLst/>
-                <a:uLnTx/>
-                <a:uFillTx/>
-                <a:latin typeface="Calibri" panose="020F0502020204030204"/>
-                <a:ea typeface="+mn-ea"/>
-                <a:cs typeface="+mn-cs"/>
-              </a:rPr>
-              <a:t>Objectives</a:t>
-            </a:r>
-          </a:p>
-        </p:txBody>
-      </p:sp>
-      <p:cxnSp>
-        <p:nvCxnSpPr>
-          <p:cNvPr id="88" name="Straight Connector 87">
-            <a:extLst>
-              <a:ext uri="{FF2B5EF4-FFF2-40B4-BE49-F238E27FC236}">
-                <a16:creationId xmlns:a16="http://schemas.microsoft.com/office/drawing/2014/main" id="{8FBCD5F7-5330-FA40-A22C-A0734BC1843F}"/>
-              </a:ext>
-            </a:extLst>
-          </p:cNvPr>
-          <p:cNvCxnSpPr/>
-          <p:nvPr/>
-        </p:nvCxnSpPr>
-        <p:spPr>
-          <a:xfrm>
-            <a:off x="9766590" y="1583151"/>
-            <a:ext cx="0" cy="3157373"/>
-          </a:xfrm>
-          <a:prstGeom prst="line">
-            <a:avLst/>
-          </a:prstGeom>
-        </p:spPr>
-        <p:style>
-          <a:lnRef idx="1">
-            <a:schemeClr val="accent1"/>
-          </a:lnRef>
-          <a:fillRef idx="0">
-            <a:schemeClr val="accent1"/>
-          </a:fillRef>
-          <a:effectRef idx="0">
-            <a:schemeClr val="accent1"/>
-          </a:effectRef>
-          <a:fontRef idx="minor">
-            <a:schemeClr val="tx1"/>
-          </a:fontRef>
-        </p:style>
-      </p:cxnSp>
     </p:spTree>
     <p:extLst>
       <p:ext uri="{BB962C8B-B14F-4D97-AF65-F5344CB8AC3E}">
